--- a/КоротаевАП_ЛБ1/пикпо презентация.pptx
+++ b/КоротаевАП_ЛБ1/пикпо презентация.pptx
@@ -110,7 +110,7 @@
         <p:txBody>
           <a:bodyPr/>
           <a:p>
-            <a:fld id="{FFC5C6BC-E88C-4351-8B31-A8DDBA65031C}" type="slidenum">
+            <a:fld id="{2C9FEFF1-F252-4A7A-A82E-767BC36801C2}" type="slidenum">
               <a:t>&lt;#&gt;</a:t>
             </a:fld>
           </a:p>
@@ -276,7 +276,7 @@
         <p:txBody>
           <a:bodyPr/>
           <a:p>
-            <a:fld id="{F267A56A-ADD8-4560-8591-6595FD7A74BD}" type="slidenum">
+            <a:fld id="{31F382B2-E697-4342-8CBA-F16A36AFFAB2}" type="slidenum">
               <a:t>&lt;#&gt;</a:t>
             </a:fld>
           </a:p>
@@ -442,7 +442,7 @@
         <p:txBody>
           <a:bodyPr/>
           <a:p>
-            <a:fld id="{40FE55DD-A629-40EF-A473-16CDA8F4AAB6}" type="slidenum">
+            <a:fld id="{12F62181-F2A3-4246-A3C6-D37630DDB8BE}" type="slidenum">
               <a:t>&lt;#&gt;</a:t>
             </a:fld>
           </a:p>
@@ -605,7 +605,7 @@
         <p:txBody>
           <a:bodyPr/>
           <a:p>
-            <a:fld id="{AE1ADD09-92F9-4124-8FB4-5B360DC846D6}" type="slidenum">
+            <a:fld id="{D495B145-782A-478A-8303-6D239A6D88FC}" type="slidenum">
               <a:t>&lt;#&gt;</a:t>
             </a:fld>
           </a:p>
@@ -771,7 +771,7 @@
         <p:txBody>
           <a:bodyPr/>
           <a:p>
-            <a:fld id="{0C58AF6A-BDC6-4EF1-9D62-C133382FEF4D}" type="slidenum">
+            <a:fld id="{D7AC4A13-A9B5-418B-B99C-0C72B0563F54}" type="slidenum">
               <a:t>&lt;#&gt;</a:t>
             </a:fld>
           </a:p>
@@ -1391,7 +1391,7 @@
             <a:pPr indent="0" algn="ctr">
               <a:buNone/>
             </a:pPr>
-            <a:fld id="{D06201A2-A71E-4B84-9B35-4C5F43A7846C}" type="slidenum">
+            <a:fld id="{994BB959-1FFA-4ED2-A612-CF2EE62D8FE1}" type="slidenum">
               <a:rPr b="1" lang="ru-RU" sz="1800" spc="-1" strike="noStrike">
                 <a:solidFill>
                   <a:srgbClr val="ffffff"/>
@@ -1920,7 +1920,7 @@
             <a:pPr indent="0" algn="ctr">
               <a:buNone/>
             </a:pPr>
-            <a:fld id="{5F620A80-26F4-46AE-892B-25745C280E57}" type="slidenum">
+            <a:fld id="{03BE8AB1-87AB-472A-9F3F-A998BF1BCF6D}" type="slidenum">
               <a:rPr b="1" lang="ru-RU" sz="1800" spc="-1" strike="noStrike">
                 <a:solidFill>
                   <a:srgbClr val="ffffff"/>
@@ -2449,7 +2449,7 @@
             <a:pPr indent="0" algn="ctr">
               <a:buNone/>
             </a:pPr>
-            <a:fld id="{5776B117-2FFA-418D-B095-4A357B2BD737}" type="slidenum">
+            <a:fld id="{E107B700-9B7B-4C92-A534-12F2DD60D809}" type="slidenum">
               <a:rPr b="1" lang="ru-RU" sz="1800" spc="-1" strike="noStrike">
                 <a:solidFill>
                   <a:srgbClr val="ffffff"/>
@@ -2739,7 +2739,7 @@
                 </a:solidFill>
                 <a:latin typeface="Source Sans Pro Semibold"/>
               </a:rPr>
-              <a:t>В настоящее время наблюдается рост малых бизнесов в России. Большинство продуктов, которые позволяют автоматизировать процессы, являются либо слишком сложными для такого бизнеса, либо слишком дорогими.</a:t>
+              <a:t>Малому бизнесу в сфере услуг необходимо обрабатывать и хранить данные о клиентах и заказах. Если этот процесс не автоматизирован, это может привести к ошибкам и неточностям. Например, сотрудник может ошибиться с временем записи клиента, и возникнет неприятная ситуация и клиент получит негативные эмоции от взаимодействия с бизнесом. </a:t>
             </a:r>
             <a:endParaRPr b="1" lang="ru-RU" sz="2400" spc="-1" strike="noStrike">
               <a:solidFill>
@@ -2764,7 +2764,7 @@
         <p:txBody>
           <a:bodyPr/>
           <a:p>
-            <a:fld id="{FB894229-E8F1-459F-96C4-AD40DC4314BB}" type="slidenum">
+            <a:fld id="{6739499F-9EAF-4E37-85B2-F9428E06B0D2}" type="slidenum">
               <a:t>2</a:t>
             </a:fld>
           </a:p>
@@ -2895,7 +2895,7 @@
                 </a:solidFill>
                 <a:latin typeface="Source Sans Pro Semibold"/>
               </a:rPr>
-              <a:t>Разработать систему, которая будет обеспечивать простое управление малым бизнесом: управлять графиком работы, автоматически обрабатывать заказы (с поддержкой онлайн записи), собирать статистику, упрвлять акциями и промокодами, а также отправлять рассылки.</a:t>
+              <a:t>Разработать систему, которая будет обеспечивать автоматизацию и простое управление малым бизнесом в сфере услуг: автоматически обрабатывать заказы, собирать статистику, управлять рабочим графиком работы сотрудников, а также поможет привлечь клиентов и повысить лояльность при помощи скидок и промокодов.</a:t>
             </a:r>
             <a:endParaRPr b="1" lang="ru-RU" sz="2400" spc="-1" strike="noStrike">
               <a:solidFill>
@@ -2908,6 +2908,59 @@
       </p:sp>
       <p:sp>
         <p:nvSpPr>
+          <p:cNvPr id="37" name=""/>
+          <p:cNvSpPr txBox="1"/>
+          <p:nvPr/>
+        </p:nvSpPr>
+        <p:spPr>
+          <a:xfrm>
+            <a:off x="4416480" y="6218640"/>
+            <a:ext cx="9360000" cy="3780000"/>
+          </a:xfrm>
+          <a:prstGeom prst="rect">
+            <a:avLst/>
+          </a:prstGeom>
+          <a:noFill/>
+          <a:ln w="0">
+            <a:noFill/>
+          </a:ln>
+        </p:spPr>
+        <p:txBody>
+          <a:bodyPr lIns="0" rIns="0" tIns="0" bIns="0" anchor="t">
+            <a:normAutofit/>
+          </a:bodyPr>
+          <a:p>
+            <a:pPr marL="432000" indent="-324000">
+              <a:spcAft>
+                <a:spcPts val="1057"/>
+              </a:spcAft>
+              <a:buClr>
+                <a:srgbClr val="2c3e50"/>
+              </a:buClr>
+              <a:buSzPct val="45000"/>
+              <a:buFont typeface="Wingdings" charset="2"/>
+              <a:buChar char=""/>
+            </a:pPr>
+            <a:r>
+              <a:rPr b="1" lang="ru-RU" sz="2400" spc="-1" strike="noStrike">
+                <a:solidFill>
+                  <a:srgbClr val="2c3e50"/>
+                </a:solidFill>
+                <a:latin typeface="Source Sans Pro Semibold"/>
+              </a:rPr>
+              <a:t>Разработать систему, которая будет обеспечивать автоматизацию и простое управление малым бизнесом в сфере услуг: автоматически обрабатывать заказы, собирать статистику, управлять рабочим графиком работы сотрудников, а также поможет привлечь клиентов и повысить лояльность при помощи системы скидок и промокодов.</a:t>
+            </a:r>
+            <a:endParaRPr b="1" lang="ru-RU" sz="2400" spc="-1" strike="noStrike">
+              <a:solidFill>
+                <a:srgbClr val="2c3e50"/>
+              </a:solidFill>
+              <a:latin typeface="Source Sans Pro Semibold"/>
+            </a:endParaRPr>
+          </a:p>
+        </p:txBody>
+      </p:sp>
+      <p:sp>
+        <p:nvSpPr>
           <p:cNvPr id="4" name="PlaceHolder 3"/>
           <p:cNvSpPr>
             <a:spLocks noGrp="1"/>
@@ -2920,7 +2973,7 @@
         <p:txBody>
           <a:bodyPr/>
           <a:p>
-            <a:fld id="{E3863E94-711E-472C-AFA1-A975C2F2BDD0}" type="slidenum">
+            <a:fld id="{F3AA7F9A-BB05-43C2-B9CC-493988BB7F65}" type="slidenum">
               <a:t>3</a:t>
             </a:fld>
           </a:p>
@@ -2958,7 +3011,7 @@
       </p:grpSpPr>
       <p:sp>
         <p:nvSpPr>
-          <p:cNvPr id="37" name="PlaceHolder 1"/>
+          <p:cNvPr id="38" name="PlaceHolder 1"/>
           <p:cNvSpPr>
             <a:spLocks noGrp="1"/>
           </p:cNvSpPr>
@@ -3007,7 +3060,7 @@
       </p:sp>
       <p:sp>
         <p:nvSpPr>
-          <p:cNvPr id="38" name="PlaceHolder 2"/>
+          <p:cNvPr id="39" name="PlaceHolder 2"/>
           <p:cNvSpPr>
             <a:spLocks noGrp="1"/>
           </p:cNvSpPr>
@@ -3051,7 +3104,7 @@
                 </a:solidFill>
                 <a:latin typeface="Source Sans Pro Semibold"/>
               </a:rPr>
-              <a:t>Целевой аудиторией проекта являются владельцы малых бизнесов, которые хотят автоматизировать управление бизнесом, повысить количество и лояльность клиентов, а также получать отчёт о показателях.</a:t>
+              <a:t>Целевой аудиторией проекта являются владельцы малых бизнесов в сфере услуг, которые хотят автоматизировать обработку заказов, точнее определять график работы сотрудников, получать отчёты и увеличить количество клиентов и их лояльность.</a:t>
             </a:r>
             <a:endParaRPr b="1" lang="ru-RU" sz="2400" spc="-1" strike="noStrike">
               <a:solidFill>
@@ -3076,7 +3129,7 @@
         <p:txBody>
           <a:bodyPr/>
           <a:p>
-            <a:fld id="{78162D25-D15C-4989-B7F7-A51BEF71AFAA}" type="slidenum">
+            <a:fld id="{DB962255-C0BF-4D04-AF33-FBAA1D4E984B}" type="slidenum">
               <a:t>4</a:t>
             </a:fld>
           </a:p>
@@ -3114,7 +3167,7 @@
       </p:grpSpPr>
       <p:sp>
         <p:nvSpPr>
-          <p:cNvPr id="39" name="PlaceHolder 1"/>
+          <p:cNvPr id="40" name="PlaceHolder 1"/>
           <p:cNvSpPr>
             <a:spLocks noGrp="1"/>
           </p:cNvSpPr>
@@ -3163,7 +3216,7 @@
       </p:sp>
       <p:pic>
         <p:nvPicPr>
-          <p:cNvPr id="40" name="" descr=""/>
+          <p:cNvPr id="41" name="" descr=""/>
           <p:cNvPicPr/>
           <p:nvPr/>
         </p:nvPicPr>
@@ -3186,7 +3239,7 @@
       </p:pic>
       <p:sp>
         <p:nvSpPr>
-          <p:cNvPr id="41" name=""/>
+          <p:cNvPr id="42" name=""/>
           <p:cNvSpPr txBox="1"/>
           <p:nvPr/>
         </p:nvSpPr>
@@ -3265,7 +3318,7 @@
         <p:txBody>
           <a:bodyPr/>
           <a:p>
-            <a:fld id="{669F1830-75CC-4180-BFAE-E665B3AC6425}" type="slidenum">
+            <a:fld id="{AB4D9C26-CFC2-4D48-8526-35537ED3DD57}" type="slidenum">
               <a:t>5</a:t>
             </a:fld>
           </a:p>
@@ -3303,7 +3356,7 @@
       </p:grpSpPr>
       <p:sp>
         <p:nvSpPr>
-          <p:cNvPr id="42" name="PlaceHolder 1"/>
+          <p:cNvPr id="43" name="PlaceHolder 1"/>
           <p:cNvSpPr>
             <a:spLocks noGrp="1"/>
           </p:cNvSpPr>
@@ -3364,7 +3417,7 @@
         <p:txBody>
           <a:bodyPr/>
           <a:p>
-            <a:fld id="{2B9C9232-66DD-4BD5-ACB4-0AD018BC4524}" type="slidenum">
+            <a:fld id="{77AAD4E9-6F32-46C2-9FE0-9DA113ABD5B5}" type="slidenum">
               <a:t>6</a:t>
             </a:fld>
           </a:p>
